--- a/redux/Redux.pptx
+++ b/redux/Redux.pptx
@@ -5,10 +5,10 @@
     <p:sldMasterId id="2147483735" r:id="rId1"/>
   </p:sldMasterIdLst>
   <p:notesMasterIdLst>
-    <p:notesMasterId r:id="rId12"/>
+    <p:notesMasterId r:id="rId14"/>
   </p:notesMasterIdLst>
   <p:handoutMasterIdLst>
-    <p:handoutMasterId r:id="rId13"/>
+    <p:handoutMasterId r:id="rId15"/>
   </p:handoutMasterIdLst>
   <p:sldIdLst>
     <p:sldId id="259" r:id="rId2"/>
@@ -21,6 +21,8 @@
     <p:sldId id="268" r:id="rId9"/>
     <p:sldId id="263" r:id="rId10"/>
     <p:sldId id="261" r:id="rId11"/>
+    <p:sldId id="269" r:id="rId12"/>
+    <p:sldId id="270" r:id="rId13"/>
   </p:sldIdLst>
   <p:sldSz cx="12188825" cy="6858000"/>
   <p:notesSz cx="6858000" cy="9144000"/>
@@ -4677,6 +4679,13 @@
       <p:transition/>
     </mc:Fallback>
   </mc:AlternateContent>
+  <p:timing>
+    <p:tnLst>
+      <p:par>
+        <p:cTn id="1" dur="indefinite" restart="never" nodeType="tmRoot"/>
+      </p:par>
+    </p:tnLst>
+  </p:timing>
 </p:sld>
 </file>
 
@@ -4781,6 +4790,310 @@
     <p:extLst>
       <p:ext uri="{BB962C8B-B14F-4D97-AF65-F5344CB8AC3E}">
         <p14:creationId xmlns:p14="http://schemas.microsoft.com/office/powerpoint/2010/main" val="1476369596"/>
+      </p:ext>
+    </p:extLst>
+  </p:cSld>
+  <p:clrMapOvr>
+    <a:masterClrMapping/>
+  </p:clrMapOvr>
+  <mc:AlternateContent xmlns:mc="http://schemas.openxmlformats.org/markup-compatibility/2006" xmlns:p14="http://schemas.microsoft.com/office/powerpoint/2010/main">
+    <mc:Choice Requires="p14">
+      <p:transition spd="med" p14:dur="700">
+        <p:fade/>
+      </p:transition>
+    </mc:Choice>
+    <mc:Fallback xmlns="">
+      <p:transition spd="med">
+        <p:fade/>
+      </p:transition>
+    </mc:Fallback>
+  </mc:AlternateContent>
+  <p:timing>
+    <p:tnLst>
+      <p:par>
+        <p:cTn id="1" dur="indefinite" restart="never" nodeType="tmRoot"/>
+      </p:par>
+    </p:tnLst>
+  </p:timing>
+</p:sld>
+</file>
+
+<file path=ppt/slides/slide11.xml><?xml version="1.0" encoding="utf-8"?>
+<p:sld xmlns:a="http://schemas.openxmlformats.org/drawingml/2006/main" xmlns:r="http://schemas.openxmlformats.org/officeDocument/2006/relationships" xmlns:p="http://schemas.openxmlformats.org/presentationml/2006/main">
+  <p:cSld>
+    <p:spTree>
+      <p:nvGrpSpPr>
+        <p:cNvPr id="1" name=""/>
+        <p:cNvGrpSpPr/>
+        <p:nvPr/>
+      </p:nvGrpSpPr>
+      <p:grpSpPr>
+        <a:xfrm>
+          <a:off x="0" y="0"/>
+          <a:ext cx="0" cy="0"/>
+          <a:chOff x="0" y="0"/>
+          <a:chExt cx="0" cy="0"/>
+        </a:xfrm>
+      </p:grpSpPr>
+      <p:sp>
+        <p:nvSpPr>
+          <p:cNvPr id="2" name="Title 1"/>
+          <p:cNvSpPr>
+            <a:spLocks noGrp="1"/>
+          </p:cNvSpPr>
+          <p:nvPr>
+            <p:ph type="title"/>
+          </p:nvPr>
+        </p:nvSpPr>
+        <p:spPr/>
+        <p:txBody>
+          <a:bodyPr/>
+          <a:lstStyle/>
+          <a:p>
+            <a:r>
+              <a:rPr lang="en-US" dirty="0" smtClean="0"/>
+              <a:t>Further Reading</a:t>
+            </a:r>
+            <a:endParaRPr lang="en-US" dirty="0"/>
+          </a:p>
+        </p:txBody>
+      </p:sp>
+      <p:sp>
+        <p:nvSpPr>
+          <p:cNvPr id="3" name="Content Placeholder 2"/>
+          <p:cNvSpPr>
+            <a:spLocks noGrp="1"/>
+          </p:cNvSpPr>
+          <p:nvPr>
+            <p:ph idx="1"/>
+          </p:nvPr>
+        </p:nvSpPr>
+        <p:spPr/>
+        <p:txBody>
+          <a:bodyPr/>
+          <a:lstStyle/>
+          <a:p>
+            <a:r>
+              <a:rPr lang="en-US" dirty="0" smtClean="0"/>
+              <a:t>Official </a:t>
+            </a:r>
+            <a:r>
+              <a:rPr lang="en-US" dirty="0" err="1" smtClean="0"/>
+              <a:t>redux</a:t>
+            </a:r>
+            <a:r>
+              <a:rPr lang="en-US" dirty="0"/>
+              <a:t> website: </a:t>
+            </a:r>
+            <a:r>
+              <a:rPr lang="en-US" dirty="0">
+                <a:hlinkClick r:id="rId2"/>
+              </a:rPr>
+              <a:t>http://</a:t>
+            </a:r>
+            <a:r>
+              <a:rPr lang="en-US" dirty="0" smtClean="0">
+                <a:hlinkClick r:id="rId2"/>
+              </a:rPr>
+              <a:t>redux.js.org</a:t>
+            </a:r>
+            <a:endParaRPr lang="en-US" dirty="0" smtClean="0"/>
+          </a:p>
+          <a:p>
+            <a:r>
+              <a:rPr lang="en-US" dirty="0" err="1" smtClean="0"/>
+              <a:t>Redux</a:t>
+            </a:r>
+            <a:r>
+              <a:rPr lang="en-US" dirty="0" smtClean="0"/>
+              <a:t> adopter </a:t>
+            </a:r>
+            <a:r>
+              <a:rPr lang="en-US" dirty="0"/>
+              <a:t>for Angular1: </a:t>
+            </a:r>
+            <a:r>
+              <a:rPr lang="en-US" dirty="0">
+                <a:hlinkClick r:id="rId3"/>
+              </a:rPr>
+              <a:t>https://</a:t>
+            </a:r>
+            <a:r>
+              <a:rPr lang="en-US" dirty="0" smtClean="0">
+                <a:hlinkClick r:id="rId3"/>
+              </a:rPr>
+              <a:t>github.com/angular-redux/ng-redux</a:t>
+            </a:r>
+            <a:endParaRPr lang="en-US" dirty="0" smtClean="0"/>
+          </a:p>
+          <a:p>
+            <a:r>
+              <a:rPr lang="en-US" dirty="0" err="1" smtClean="0"/>
+              <a:t>Todo</a:t>
+            </a:r>
+            <a:r>
+              <a:rPr lang="en-US" dirty="0" smtClean="0"/>
+              <a:t> app with </a:t>
+            </a:r>
+            <a:r>
+              <a:rPr lang="en-US" dirty="0" err="1" smtClean="0"/>
+              <a:t>Redux</a:t>
+            </a:r>
+            <a:r>
+              <a:rPr lang="en-US" dirty="0"/>
+              <a:t>: </a:t>
+            </a:r>
+            <a:r>
+              <a:rPr lang="en-US" dirty="0">
+                <a:hlinkClick r:id="rId4"/>
+              </a:rPr>
+              <a:t>https://</a:t>
+            </a:r>
+            <a:r>
+              <a:rPr lang="en-US" dirty="0" smtClean="0">
+                <a:hlinkClick r:id="rId4"/>
+              </a:rPr>
+              <a:t>medium.com/google-developer-experts/angular-2-introduction-to-redux-1cf18af27e6e</a:t>
+            </a:r>
+            <a:endParaRPr lang="en-US" dirty="0" smtClean="0"/>
+          </a:p>
+          <a:p>
+            <a:r>
+              <a:rPr lang="en-US" dirty="0" err="1" smtClean="0"/>
+              <a:t>RxJS</a:t>
+            </a:r>
+            <a:r>
+              <a:rPr lang="en-US" dirty="0" smtClean="0"/>
+              <a:t> </a:t>
+            </a:r>
+            <a:r>
+              <a:rPr lang="en-US" dirty="0"/>
+              <a:t>based </a:t>
+            </a:r>
+            <a:r>
+              <a:rPr lang="en-US" dirty="0" smtClean="0"/>
+              <a:t>state management: </a:t>
+            </a:r>
+            <a:r>
+              <a:rPr lang="en-US" dirty="0">
+                <a:hlinkClick r:id="rId5"/>
+              </a:rPr>
+              <a:t>https://</a:t>
+            </a:r>
+            <a:r>
+              <a:rPr lang="en-US" dirty="0" smtClean="0">
+                <a:hlinkClick r:id="rId5"/>
+              </a:rPr>
+              <a:t>github.com/ngrx/store</a:t>
+            </a:r>
+            <a:endParaRPr lang="en-US" dirty="0" smtClean="0"/>
+          </a:p>
+          <a:p>
+            <a:pPr marL="0" indent="0">
+              <a:buNone/>
+            </a:pPr>
+            <a:endParaRPr lang="en-US" dirty="0"/>
+          </a:p>
+        </p:txBody>
+      </p:sp>
+    </p:spTree>
+    <p:extLst>
+      <p:ext uri="{BB962C8B-B14F-4D97-AF65-F5344CB8AC3E}">
+        <p14:creationId xmlns:p14="http://schemas.microsoft.com/office/powerpoint/2010/main" val="4206965752"/>
+      </p:ext>
+    </p:extLst>
+  </p:cSld>
+  <p:clrMapOvr>
+    <a:masterClrMapping/>
+  </p:clrMapOvr>
+  <mc:AlternateContent xmlns:mc="http://schemas.openxmlformats.org/markup-compatibility/2006" xmlns:p14="http://schemas.microsoft.com/office/powerpoint/2010/main">
+    <mc:Choice Requires="p14">
+      <p:transition spd="med" p14:dur="700">
+        <p:fade/>
+      </p:transition>
+    </mc:Choice>
+    <mc:Fallback xmlns="">
+      <p:transition spd="med">
+        <p:fade/>
+      </p:transition>
+    </mc:Fallback>
+  </mc:AlternateContent>
+</p:sld>
+</file>
+
+<file path=ppt/slides/slide12.xml><?xml version="1.0" encoding="utf-8"?>
+<p:sld xmlns:a="http://schemas.openxmlformats.org/drawingml/2006/main" xmlns:r="http://schemas.openxmlformats.org/officeDocument/2006/relationships" xmlns:p="http://schemas.openxmlformats.org/presentationml/2006/main">
+  <p:cSld>
+    <p:spTree>
+      <p:nvGrpSpPr>
+        <p:cNvPr id="1" name=""/>
+        <p:cNvGrpSpPr/>
+        <p:nvPr/>
+      </p:nvGrpSpPr>
+      <p:grpSpPr>
+        <a:xfrm>
+          <a:off x="0" y="0"/>
+          <a:ext cx="0" cy="0"/>
+          <a:chOff x="0" y="0"/>
+          <a:chExt cx="0" cy="0"/>
+        </a:xfrm>
+      </p:grpSpPr>
+      <p:sp>
+        <p:nvSpPr>
+          <p:cNvPr id="2" name="Title 1"/>
+          <p:cNvSpPr>
+            <a:spLocks noGrp="1"/>
+          </p:cNvSpPr>
+          <p:nvPr>
+            <p:ph type="title"/>
+          </p:nvPr>
+        </p:nvSpPr>
+        <p:spPr/>
+        <p:txBody>
+          <a:bodyPr/>
+          <a:lstStyle/>
+          <a:p>
+            <a:r>
+              <a:rPr lang="en-US" dirty="0" smtClean="0"/>
+              <a:t>THANK YOU</a:t>
+            </a:r>
+            <a:endParaRPr lang="en-US" dirty="0"/>
+          </a:p>
+        </p:txBody>
+      </p:sp>
+      <p:pic>
+        <p:nvPicPr>
+          <p:cNvPr id="4" name="Content Placeholder 3"/>
+          <p:cNvPicPr>
+            <a:picLocks noGrp="1" noChangeAspect="1"/>
+          </p:cNvPicPr>
+          <p:nvPr>
+            <p:ph idx="1"/>
+          </p:nvPr>
+        </p:nvPicPr>
+        <p:blipFill>
+          <a:blip r:embed="rId2">
+            <a:extLst>
+              <a:ext uri="{28A0092B-C50C-407E-A947-70E740481C1C}">
+                <a14:useLocalDpi xmlns:a14="http://schemas.microsoft.com/office/drawing/2010/main" val="0"/>
+              </a:ext>
+            </a:extLst>
+          </a:blip>
+          <a:stretch>
+            <a:fillRect/>
+          </a:stretch>
+        </p:blipFill>
+        <p:spPr>
+          <a:xfrm>
+            <a:off x="3808412" y="1966912"/>
+            <a:ext cx="4572000" cy="4143375"/>
+          </a:xfrm>
+        </p:spPr>
+      </p:pic>
+    </p:spTree>
+    <p:extLst>
+      <p:ext uri="{BB962C8B-B14F-4D97-AF65-F5344CB8AC3E}">
+        <p14:creationId xmlns:p14="http://schemas.microsoft.com/office/powerpoint/2010/main" val="3824292995"/>
       </p:ext>
     </p:extLst>
   </p:cSld>
@@ -4891,11 +5204,23 @@
           <a:p>
             <a:r>
               <a:rPr lang="en-US" dirty="0" smtClean="0"/>
-              <a:t>C</a:t>
+              <a:t>Compatibility</a:t>
             </a:r>
             <a:r>
               <a:rPr lang="pl-PL" dirty="0" smtClean="0"/>
-              <a:t>ombinability with many mainstream solution</a:t>
+              <a:t> </a:t>
+            </a:r>
+            <a:r>
+              <a:rPr lang="pl-PL" dirty="0" smtClean="0"/>
+              <a:t>with many mainstream </a:t>
+            </a:r>
+            <a:r>
+              <a:rPr lang="pl-PL" dirty="0" smtClean="0"/>
+              <a:t>solution</a:t>
+            </a:r>
+            <a:r>
+              <a:rPr lang="en-US" dirty="0" smtClean="0"/>
+              <a:t>s</a:t>
             </a:r>
             <a:endParaRPr lang="en-US" dirty="0" smtClean="0"/>
           </a:p>
@@ -4926,6 +5251,13 @@
       </p:transition>
     </mc:Fallback>
   </mc:AlternateContent>
+  <p:timing>
+    <p:tnLst>
+      <p:par>
+        <p:cTn id="1" dur="indefinite" restart="never" nodeType="tmRoot"/>
+      </p:par>
+    </p:tnLst>
+  </p:timing>
 </p:sld>
 </file>
 
@@ -5088,6 +5420,13 @@
       </p:transition>
     </mc:Fallback>
   </mc:AlternateContent>
+  <p:timing>
+    <p:tnLst>
+      <p:par>
+        <p:cTn id="1" dur="indefinite" restart="never" nodeType="tmRoot"/>
+      </p:par>
+    </p:tnLst>
+  </p:timing>
 </p:sld>
 </file>
 
@@ -5205,6 +5544,13 @@
       </p:transition>
     </mc:Fallback>
   </mc:AlternateContent>
+  <p:timing>
+    <p:tnLst>
+      <p:par>
+        <p:cTn id="1" dur="indefinite" restart="never" nodeType="tmRoot"/>
+      </p:par>
+    </p:tnLst>
+  </p:timing>
 </p:sld>
 </file>
 
@@ -5725,6 +6071,13 @@
       </p:transition>
     </mc:Fallback>
   </mc:AlternateContent>
+  <p:timing>
+    <p:tnLst>
+      <p:par>
+        <p:cTn id="1" dur="indefinite" restart="never" nodeType="tmRoot"/>
+      </p:par>
+    </p:tnLst>
+  </p:timing>
 </p:sld>
 </file>
 
@@ -5819,6 +6172,13 @@
       </p:transition>
     </mc:Fallback>
   </mc:AlternateContent>
+  <p:timing>
+    <p:tnLst>
+      <p:par>
+        <p:cTn id="1" dur="indefinite" restart="never" nodeType="tmRoot"/>
+      </p:par>
+    </p:tnLst>
+  </p:timing>
 </p:sld>
 </file>
 
@@ -5855,8 +6215,8 @@
           <a:lstStyle/>
           <a:p>
             <a:r>
-              <a:rPr lang="pl-PL" dirty="0" smtClean="0"/>
-              <a:t>Action AnD DISPATCH</a:t>
+              <a:rPr lang="en-US" dirty="0" smtClean="0"/>
+              <a:t>IN ACTION</a:t>
             </a:r>
             <a:endParaRPr lang="en-US" dirty="0"/>
           </a:p>
@@ -6391,6 +6751,13 @@
       </p:transition>
     </mc:Fallback>
   </mc:AlternateContent>
+  <p:timing>
+    <p:tnLst>
+      <p:par>
+        <p:cTn id="1" dur="indefinite" restart="never" nodeType="tmRoot"/>
+      </p:par>
+    </p:tnLst>
+  </p:timing>
 </p:sld>
 </file>
 
@@ -7335,6 +7702,13 @@
       </p:transition>
     </mc:Fallback>
   </mc:AlternateContent>
+  <p:timing>
+    <p:tnLst>
+      <p:par>
+        <p:cTn id="1" dur="indefinite" restart="never" nodeType="tmRoot"/>
+      </p:par>
+    </p:tnLst>
+  </p:timing>
 </p:sld>
 </file>
 
@@ -7429,6 +7803,13 @@
       </p:transition>
     </mc:Fallback>
   </mc:AlternateContent>
+  <p:timing>
+    <p:tnLst>
+      <p:par>
+        <p:cTn id="1" dur="indefinite" restart="never" nodeType="tmRoot"/>
+      </p:par>
+    </p:tnLst>
+  </p:timing>
 </p:sld>
 </file>
 
